--- a/ExampleWeb/Web1.pptx
+++ b/ExampleWeb/Web1.pptx
@@ -16152,6 +16152,312 @@
           </a:prstGeom>
         </p:spPr>
       </p:pic>
+      <p:sp>
+        <p:nvSpPr>
+          <p:cNvPr id="5" name="文字版面配置區 2">
+            <a:extLst>
+              <a:ext uri="{FF2B5EF4-FFF2-40B4-BE49-F238E27FC236}">
+                <a16:creationId xmlns:a16="http://schemas.microsoft.com/office/drawing/2014/main" id="{EB5AF112-1C26-BDD7-005A-AACAEA445A21}"/>
+              </a:ext>
+            </a:extLst>
+          </p:cNvPr>
+          <p:cNvSpPr txBox="1">
+            <a:spLocks/>
+          </p:cNvSpPr>
+          <p:nvPr/>
+        </p:nvSpPr>
+        <p:spPr>
+          <a:xfrm>
+            <a:off x="6273115" y="882644"/>
+            <a:ext cx="1536355" cy="397914"/>
+          </a:xfrm>
+          <a:prstGeom prst="rect">
+            <a:avLst/>
+          </a:prstGeom>
+          <a:noFill/>
+          <a:ln>
+            <a:noFill/>
+          </a:ln>
+        </p:spPr>
+        <p:txBody>
+          <a:bodyPr spcFirstLastPara="1" wrap="square" lIns="91425" tIns="91425" rIns="91425" bIns="91425" anchor="t" anchorCtr="0">
+            <a:noAutofit/>
+          </a:bodyPr>
+          <a:lstStyle>
+            <a:defPPr marR="0" lvl="0" algn="l" rtl="0">
+              <a:lnSpc>
+                <a:spcPct val="100000"/>
+              </a:lnSpc>
+              <a:spcBef>
+                <a:spcPts val="0"/>
+              </a:spcBef>
+              <a:spcAft>
+                <a:spcPts val="0"/>
+              </a:spcAft>
+            </a:defPPr>
+            <a:lvl1pPr marL="457200" marR="0" lvl="0" indent="-317500" algn="l" rtl="0">
+              <a:lnSpc>
+                <a:spcPct val="100000"/>
+              </a:lnSpc>
+              <a:spcBef>
+                <a:spcPts val="0"/>
+              </a:spcBef>
+              <a:spcAft>
+                <a:spcPts val="0"/>
+              </a:spcAft>
+              <a:buClr>
+                <a:schemeClr val="accent1"/>
+              </a:buClr>
+              <a:buSzPts val="1400"/>
+              <a:buFont typeface="Courier Prime"/>
+              <a:buChar char="●"/>
+              <a:defRPr sz="1400" b="0" i="0" u="none" strike="noStrike" cap="none">
+                <a:solidFill>
+                  <a:schemeClr val="accent3"/>
+                </a:solidFill>
+                <a:latin typeface="Courier Prime"/>
+                <a:ea typeface="Courier Prime"/>
+                <a:cs typeface="Courier Prime"/>
+                <a:sym typeface="Courier Prime"/>
+              </a:defRPr>
+            </a:lvl1pPr>
+            <a:lvl2pPr marL="914400" marR="0" lvl="1" indent="-317500" algn="l" rtl="0">
+              <a:lnSpc>
+                <a:spcPct val="100000"/>
+              </a:lnSpc>
+              <a:spcBef>
+                <a:spcPts val="1000"/>
+              </a:spcBef>
+              <a:spcAft>
+                <a:spcPts val="0"/>
+              </a:spcAft>
+              <a:buClr>
+                <a:schemeClr val="accent3"/>
+              </a:buClr>
+              <a:buSzPts val="1400"/>
+              <a:buFont typeface="Courier Prime"/>
+              <a:buChar char="○"/>
+              <a:defRPr sz="1400" b="0" i="0" u="none" strike="noStrike" cap="none">
+                <a:solidFill>
+                  <a:schemeClr val="accent3"/>
+                </a:solidFill>
+                <a:latin typeface="Courier Prime"/>
+                <a:ea typeface="Courier Prime"/>
+                <a:cs typeface="Courier Prime"/>
+                <a:sym typeface="Courier Prime"/>
+              </a:defRPr>
+            </a:lvl2pPr>
+            <a:lvl3pPr marL="1371600" marR="0" lvl="2" indent="-317500" algn="l" rtl="0">
+              <a:lnSpc>
+                <a:spcPct val="100000"/>
+              </a:lnSpc>
+              <a:spcBef>
+                <a:spcPts val="0"/>
+              </a:spcBef>
+              <a:spcAft>
+                <a:spcPts val="0"/>
+              </a:spcAft>
+              <a:buClr>
+                <a:schemeClr val="accent3"/>
+              </a:buClr>
+              <a:buSzPts val="1400"/>
+              <a:buFont typeface="Courier Prime"/>
+              <a:buChar char="■"/>
+              <a:defRPr sz="1400" b="0" i="0" u="none" strike="noStrike" cap="none">
+                <a:solidFill>
+                  <a:schemeClr val="accent3"/>
+                </a:solidFill>
+                <a:latin typeface="Courier Prime"/>
+                <a:ea typeface="Courier Prime"/>
+                <a:cs typeface="Courier Prime"/>
+                <a:sym typeface="Courier Prime"/>
+              </a:defRPr>
+            </a:lvl3pPr>
+            <a:lvl4pPr marL="1828800" marR="0" lvl="3" indent="-317500" algn="l" rtl="0">
+              <a:lnSpc>
+                <a:spcPct val="100000"/>
+              </a:lnSpc>
+              <a:spcBef>
+                <a:spcPts val="0"/>
+              </a:spcBef>
+              <a:spcAft>
+                <a:spcPts val="0"/>
+              </a:spcAft>
+              <a:buClr>
+                <a:schemeClr val="accent3"/>
+              </a:buClr>
+              <a:buSzPts val="1400"/>
+              <a:buFont typeface="Courier Prime"/>
+              <a:buChar char="●"/>
+              <a:defRPr sz="1400" b="0" i="0" u="none" strike="noStrike" cap="none">
+                <a:solidFill>
+                  <a:schemeClr val="accent3"/>
+                </a:solidFill>
+                <a:latin typeface="Courier Prime"/>
+                <a:ea typeface="Courier Prime"/>
+                <a:cs typeface="Courier Prime"/>
+                <a:sym typeface="Courier Prime"/>
+              </a:defRPr>
+            </a:lvl4pPr>
+            <a:lvl5pPr marL="2286000" marR="0" lvl="4" indent="-317500" algn="l" rtl="0">
+              <a:lnSpc>
+                <a:spcPct val="100000"/>
+              </a:lnSpc>
+              <a:spcBef>
+                <a:spcPts val="0"/>
+              </a:spcBef>
+              <a:spcAft>
+                <a:spcPts val="0"/>
+              </a:spcAft>
+              <a:buClr>
+                <a:schemeClr val="accent3"/>
+              </a:buClr>
+              <a:buSzPts val="1400"/>
+              <a:buFont typeface="Courier Prime"/>
+              <a:buChar char="○"/>
+              <a:defRPr sz="1400" b="0" i="0" u="none" strike="noStrike" cap="none">
+                <a:solidFill>
+                  <a:schemeClr val="accent3"/>
+                </a:solidFill>
+                <a:latin typeface="Courier Prime"/>
+                <a:ea typeface="Courier Prime"/>
+                <a:cs typeface="Courier Prime"/>
+                <a:sym typeface="Courier Prime"/>
+              </a:defRPr>
+            </a:lvl5pPr>
+            <a:lvl6pPr marL="2743200" marR="0" lvl="5" indent="-317500" algn="l" rtl="0">
+              <a:lnSpc>
+                <a:spcPct val="100000"/>
+              </a:lnSpc>
+              <a:spcBef>
+                <a:spcPts val="0"/>
+              </a:spcBef>
+              <a:spcAft>
+                <a:spcPts val="0"/>
+              </a:spcAft>
+              <a:buClr>
+                <a:schemeClr val="accent3"/>
+              </a:buClr>
+              <a:buSzPts val="1400"/>
+              <a:buFont typeface="Courier Prime"/>
+              <a:buChar char="■"/>
+              <a:defRPr sz="1400" b="0" i="0" u="none" strike="noStrike" cap="none">
+                <a:solidFill>
+                  <a:schemeClr val="accent3"/>
+                </a:solidFill>
+                <a:latin typeface="Courier Prime"/>
+                <a:ea typeface="Courier Prime"/>
+                <a:cs typeface="Courier Prime"/>
+                <a:sym typeface="Courier Prime"/>
+              </a:defRPr>
+            </a:lvl6pPr>
+            <a:lvl7pPr marL="3200400" marR="0" lvl="6" indent="-317500" algn="l" rtl="0">
+              <a:lnSpc>
+                <a:spcPct val="100000"/>
+              </a:lnSpc>
+              <a:spcBef>
+                <a:spcPts val="0"/>
+              </a:spcBef>
+              <a:spcAft>
+                <a:spcPts val="0"/>
+              </a:spcAft>
+              <a:buClr>
+                <a:schemeClr val="accent3"/>
+              </a:buClr>
+              <a:buSzPts val="1400"/>
+              <a:buFont typeface="Courier Prime"/>
+              <a:buChar char="●"/>
+              <a:defRPr sz="1400" b="0" i="0" u="none" strike="noStrike" cap="none">
+                <a:solidFill>
+                  <a:schemeClr val="accent3"/>
+                </a:solidFill>
+                <a:latin typeface="Courier Prime"/>
+                <a:ea typeface="Courier Prime"/>
+                <a:cs typeface="Courier Prime"/>
+                <a:sym typeface="Courier Prime"/>
+              </a:defRPr>
+            </a:lvl7pPr>
+            <a:lvl8pPr marL="3657600" marR="0" lvl="7" indent="-317500" algn="l" rtl="0">
+              <a:lnSpc>
+                <a:spcPct val="100000"/>
+              </a:lnSpc>
+              <a:spcBef>
+                <a:spcPts val="0"/>
+              </a:spcBef>
+              <a:spcAft>
+                <a:spcPts val="0"/>
+              </a:spcAft>
+              <a:buClr>
+                <a:schemeClr val="accent3"/>
+              </a:buClr>
+              <a:buSzPts val="1400"/>
+              <a:buFont typeface="Courier Prime"/>
+              <a:buChar char="○"/>
+              <a:defRPr sz="1400" b="0" i="0" u="none" strike="noStrike" cap="none">
+                <a:solidFill>
+                  <a:schemeClr val="accent3"/>
+                </a:solidFill>
+                <a:latin typeface="Courier Prime"/>
+                <a:ea typeface="Courier Prime"/>
+                <a:cs typeface="Courier Prime"/>
+                <a:sym typeface="Courier Prime"/>
+              </a:defRPr>
+            </a:lvl8pPr>
+            <a:lvl9pPr marL="4114800" marR="0" lvl="8" indent="-317500" algn="l" rtl="0">
+              <a:lnSpc>
+                <a:spcPct val="100000"/>
+              </a:lnSpc>
+              <a:spcBef>
+                <a:spcPts val="0"/>
+              </a:spcBef>
+              <a:spcAft>
+                <a:spcPts val="0"/>
+              </a:spcAft>
+              <a:buClr>
+                <a:schemeClr val="accent3"/>
+              </a:buClr>
+              <a:buSzPts val="1400"/>
+              <a:buFont typeface="Courier Prime"/>
+              <a:buChar char="■"/>
+              <a:defRPr sz="1400" b="0" i="0" u="none" strike="noStrike" cap="none">
+                <a:solidFill>
+                  <a:schemeClr val="accent3"/>
+                </a:solidFill>
+                <a:latin typeface="Courier Prime"/>
+                <a:ea typeface="Courier Prime"/>
+                <a:cs typeface="Courier Prime"/>
+                <a:sym typeface="Courier Prime"/>
+              </a:defRPr>
+            </a:lvl9pPr>
+          </a:lstStyle>
+          <a:p>
+            <a:pPr marL="139700" indent="0">
+              <a:buFont typeface="Courier Prime"/>
+              <a:buNone/>
+            </a:pPr>
+            <a:r>
+              <a:rPr lang="zh-TW" altLang="en-US" dirty="0"/>
+              <a:t>都要有</a:t>
+            </a:r>
+            <a:r>
+              <a:rPr lang="en-US" altLang="zh-TW" b="1" dirty="0"/>
+              <a:t>RWD</a:t>
+            </a:r>
+            <a:r>
+              <a:rPr lang="zh-TW" altLang="en-US" dirty="0"/>
+              <a:t>哦！</a:t>
+            </a:r>
+            <a:endParaRPr lang="en-US" altLang="zh-TW" dirty="0"/>
+          </a:p>
+          <a:p>
+            <a:pPr marL="482600" indent="-342900">
+              <a:buFont typeface="+mj-lt"/>
+              <a:buAutoNum type="arabicPeriod"/>
+            </a:pPr>
+            <a:endParaRPr lang="zh-TW" altLang="en-US" dirty="0"/>
+          </a:p>
+        </p:txBody>
+      </p:sp>
     </p:spTree>
     <p:extLst>
       <p:ext uri="{BB962C8B-B14F-4D97-AF65-F5344CB8AC3E}">
@@ -16396,6 +16702,312 @@
           </a:prstGeom>
         </p:spPr>
       </p:pic>
+      <p:sp>
+        <p:nvSpPr>
+          <p:cNvPr id="6" name="文字版面配置區 2">
+            <a:extLst>
+              <a:ext uri="{FF2B5EF4-FFF2-40B4-BE49-F238E27FC236}">
+                <a16:creationId xmlns:a16="http://schemas.microsoft.com/office/drawing/2014/main" id="{B2BED7DD-06F7-073F-CFA3-B853620C5D29}"/>
+              </a:ext>
+            </a:extLst>
+          </p:cNvPr>
+          <p:cNvSpPr txBox="1">
+            <a:spLocks/>
+          </p:cNvSpPr>
+          <p:nvPr/>
+        </p:nvSpPr>
+        <p:spPr>
+          <a:xfrm>
+            <a:off x="6285472" y="4445339"/>
+            <a:ext cx="1536355" cy="397914"/>
+          </a:xfrm>
+          <a:prstGeom prst="rect">
+            <a:avLst/>
+          </a:prstGeom>
+          <a:noFill/>
+          <a:ln>
+            <a:noFill/>
+          </a:ln>
+        </p:spPr>
+        <p:txBody>
+          <a:bodyPr spcFirstLastPara="1" wrap="square" lIns="91425" tIns="91425" rIns="91425" bIns="91425" anchor="t" anchorCtr="0">
+            <a:noAutofit/>
+          </a:bodyPr>
+          <a:lstStyle>
+            <a:defPPr marR="0" lvl="0" algn="l" rtl="0">
+              <a:lnSpc>
+                <a:spcPct val="100000"/>
+              </a:lnSpc>
+              <a:spcBef>
+                <a:spcPts val="0"/>
+              </a:spcBef>
+              <a:spcAft>
+                <a:spcPts val="0"/>
+              </a:spcAft>
+            </a:defPPr>
+            <a:lvl1pPr marL="457200" marR="0" lvl="0" indent="-317500" algn="l" rtl="0">
+              <a:lnSpc>
+                <a:spcPct val="100000"/>
+              </a:lnSpc>
+              <a:spcBef>
+                <a:spcPts val="0"/>
+              </a:spcBef>
+              <a:spcAft>
+                <a:spcPts val="0"/>
+              </a:spcAft>
+              <a:buClr>
+                <a:schemeClr val="accent1"/>
+              </a:buClr>
+              <a:buSzPts val="1400"/>
+              <a:buFont typeface="Courier Prime"/>
+              <a:buChar char="●"/>
+              <a:defRPr sz="1400" b="0" i="0" u="none" strike="noStrike" cap="none">
+                <a:solidFill>
+                  <a:schemeClr val="accent3"/>
+                </a:solidFill>
+                <a:latin typeface="Courier Prime"/>
+                <a:ea typeface="Courier Prime"/>
+                <a:cs typeface="Courier Prime"/>
+                <a:sym typeface="Courier Prime"/>
+              </a:defRPr>
+            </a:lvl1pPr>
+            <a:lvl2pPr marL="914400" marR="0" lvl="1" indent="-317500" algn="l" rtl="0">
+              <a:lnSpc>
+                <a:spcPct val="100000"/>
+              </a:lnSpc>
+              <a:spcBef>
+                <a:spcPts val="1000"/>
+              </a:spcBef>
+              <a:spcAft>
+                <a:spcPts val="0"/>
+              </a:spcAft>
+              <a:buClr>
+                <a:schemeClr val="accent3"/>
+              </a:buClr>
+              <a:buSzPts val="1400"/>
+              <a:buFont typeface="Courier Prime"/>
+              <a:buChar char="○"/>
+              <a:defRPr sz="1400" b="0" i="0" u="none" strike="noStrike" cap="none">
+                <a:solidFill>
+                  <a:schemeClr val="accent3"/>
+                </a:solidFill>
+                <a:latin typeface="Courier Prime"/>
+                <a:ea typeface="Courier Prime"/>
+                <a:cs typeface="Courier Prime"/>
+                <a:sym typeface="Courier Prime"/>
+              </a:defRPr>
+            </a:lvl2pPr>
+            <a:lvl3pPr marL="1371600" marR="0" lvl="2" indent="-317500" algn="l" rtl="0">
+              <a:lnSpc>
+                <a:spcPct val="100000"/>
+              </a:lnSpc>
+              <a:spcBef>
+                <a:spcPts val="0"/>
+              </a:spcBef>
+              <a:spcAft>
+                <a:spcPts val="0"/>
+              </a:spcAft>
+              <a:buClr>
+                <a:schemeClr val="accent3"/>
+              </a:buClr>
+              <a:buSzPts val="1400"/>
+              <a:buFont typeface="Courier Prime"/>
+              <a:buChar char="■"/>
+              <a:defRPr sz="1400" b="0" i="0" u="none" strike="noStrike" cap="none">
+                <a:solidFill>
+                  <a:schemeClr val="accent3"/>
+                </a:solidFill>
+                <a:latin typeface="Courier Prime"/>
+                <a:ea typeface="Courier Prime"/>
+                <a:cs typeface="Courier Prime"/>
+                <a:sym typeface="Courier Prime"/>
+              </a:defRPr>
+            </a:lvl3pPr>
+            <a:lvl4pPr marL="1828800" marR="0" lvl="3" indent="-317500" algn="l" rtl="0">
+              <a:lnSpc>
+                <a:spcPct val="100000"/>
+              </a:lnSpc>
+              <a:spcBef>
+                <a:spcPts val="0"/>
+              </a:spcBef>
+              <a:spcAft>
+                <a:spcPts val="0"/>
+              </a:spcAft>
+              <a:buClr>
+                <a:schemeClr val="accent3"/>
+              </a:buClr>
+              <a:buSzPts val="1400"/>
+              <a:buFont typeface="Courier Prime"/>
+              <a:buChar char="●"/>
+              <a:defRPr sz="1400" b="0" i="0" u="none" strike="noStrike" cap="none">
+                <a:solidFill>
+                  <a:schemeClr val="accent3"/>
+                </a:solidFill>
+                <a:latin typeface="Courier Prime"/>
+                <a:ea typeface="Courier Prime"/>
+                <a:cs typeface="Courier Prime"/>
+                <a:sym typeface="Courier Prime"/>
+              </a:defRPr>
+            </a:lvl4pPr>
+            <a:lvl5pPr marL="2286000" marR="0" lvl="4" indent="-317500" algn="l" rtl="0">
+              <a:lnSpc>
+                <a:spcPct val="100000"/>
+              </a:lnSpc>
+              <a:spcBef>
+                <a:spcPts val="0"/>
+              </a:spcBef>
+              <a:spcAft>
+                <a:spcPts val="0"/>
+              </a:spcAft>
+              <a:buClr>
+                <a:schemeClr val="accent3"/>
+              </a:buClr>
+              <a:buSzPts val="1400"/>
+              <a:buFont typeface="Courier Prime"/>
+              <a:buChar char="○"/>
+              <a:defRPr sz="1400" b="0" i="0" u="none" strike="noStrike" cap="none">
+                <a:solidFill>
+                  <a:schemeClr val="accent3"/>
+                </a:solidFill>
+                <a:latin typeface="Courier Prime"/>
+                <a:ea typeface="Courier Prime"/>
+                <a:cs typeface="Courier Prime"/>
+                <a:sym typeface="Courier Prime"/>
+              </a:defRPr>
+            </a:lvl5pPr>
+            <a:lvl6pPr marL="2743200" marR="0" lvl="5" indent="-317500" algn="l" rtl="0">
+              <a:lnSpc>
+                <a:spcPct val="100000"/>
+              </a:lnSpc>
+              <a:spcBef>
+                <a:spcPts val="0"/>
+              </a:spcBef>
+              <a:spcAft>
+                <a:spcPts val="0"/>
+              </a:spcAft>
+              <a:buClr>
+                <a:schemeClr val="accent3"/>
+              </a:buClr>
+              <a:buSzPts val="1400"/>
+              <a:buFont typeface="Courier Prime"/>
+              <a:buChar char="■"/>
+              <a:defRPr sz="1400" b="0" i="0" u="none" strike="noStrike" cap="none">
+                <a:solidFill>
+                  <a:schemeClr val="accent3"/>
+                </a:solidFill>
+                <a:latin typeface="Courier Prime"/>
+                <a:ea typeface="Courier Prime"/>
+                <a:cs typeface="Courier Prime"/>
+                <a:sym typeface="Courier Prime"/>
+              </a:defRPr>
+            </a:lvl6pPr>
+            <a:lvl7pPr marL="3200400" marR="0" lvl="6" indent="-317500" algn="l" rtl="0">
+              <a:lnSpc>
+                <a:spcPct val="100000"/>
+              </a:lnSpc>
+              <a:spcBef>
+                <a:spcPts val="0"/>
+              </a:spcBef>
+              <a:spcAft>
+                <a:spcPts val="0"/>
+              </a:spcAft>
+              <a:buClr>
+                <a:schemeClr val="accent3"/>
+              </a:buClr>
+              <a:buSzPts val="1400"/>
+              <a:buFont typeface="Courier Prime"/>
+              <a:buChar char="●"/>
+              <a:defRPr sz="1400" b="0" i="0" u="none" strike="noStrike" cap="none">
+                <a:solidFill>
+                  <a:schemeClr val="accent3"/>
+                </a:solidFill>
+                <a:latin typeface="Courier Prime"/>
+                <a:ea typeface="Courier Prime"/>
+                <a:cs typeface="Courier Prime"/>
+                <a:sym typeface="Courier Prime"/>
+              </a:defRPr>
+            </a:lvl7pPr>
+            <a:lvl8pPr marL="3657600" marR="0" lvl="7" indent="-317500" algn="l" rtl="0">
+              <a:lnSpc>
+                <a:spcPct val="100000"/>
+              </a:lnSpc>
+              <a:spcBef>
+                <a:spcPts val="0"/>
+              </a:spcBef>
+              <a:spcAft>
+                <a:spcPts val="0"/>
+              </a:spcAft>
+              <a:buClr>
+                <a:schemeClr val="accent3"/>
+              </a:buClr>
+              <a:buSzPts val="1400"/>
+              <a:buFont typeface="Courier Prime"/>
+              <a:buChar char="○"/>
+              <a:defRPr sz="1400" b="0" i="0" u="none" strike="noStrike" cap="none">
+                <a:solidFill>
+                  <a:schemeClr val="accent3"/>
+                </a:solidFill>
+                <a:latin typeface="Courier Prime"/>
+                <a:ea typeface="Courier Prime"/>
+                <a:cs typeface="Courier Prime"/>
+                <a:sym typeface="Courier Prime"/>
+              </a:defRPr>
+            </a:lvl8pPr>
+            <a:lvl9pPr marL="4114800" marR="0" lvl="8" indent="-317500" algn="l" rtl="0">
+              <a:lnSpc>
+                <a:spcPct val="100000"/>
+              </a:lnSpc>
+              <a:spcBef>
+                <a:spcPts val="0"/>
+              </a:spcBef>
+              <a:spcAft>
+                <a:spcPts val="0"/>
+              </a:spcAft>
+              <a:buClr>
+                <a:schemeClr val="accent3"/>
+              </a:buClr>
+              <a:buSzPts val="1400"/>
+              <a:buFont typeface="Courier Prime"/>
+              <a:buChar char="■"/>
+              <a:defRPr sz="1400" b="0" i="0" u="none" strike="noStrike" cap="none">
+                <a:solidFill>
+                  <a:schemeClr val="accent3"/>
+                </a:solidFill>
+                <a:latin typeface="Courier Prime"/>
+                <a:ea typeface="Courier Prime"/>
+                <a:cs typeface="Courier Prime"/>
+                <a:sym typeface="Courier Prime"/>
+              </a:defRPr>
+            </a:lvl9pPr>
+          </a:lstStyle>
+          <a:p>
+            <a:pPr marL="139700" indent="0">
+              <a:buFont typeface="Courier Prime"/>
+              <a:buNone/>
+            </a:pPr>
+            <a:r>
+              <a:rPr lang="zh-TW" altLang="en-US" dirty="0"/>
+              <a:t>都要有</a:t>
+            </a:r>
+            <a:r>
+              <a:rPr lang="en-US" altLang="zh-TW" b="1" dirty="0"/>
+              <a:t>RWD</a:t>
+            </a:r>
+            <a:r>
+              <a:rPr lang="zh-TW" altLang="en-US" dirty="0"/>
+              <a:t>哦！</a:t>
+            </a:r>
+            <a:endParaRPr lang="en-US" altLang="zh-TW" dirty="0"/>
+          </a:p>
+          <a:p>
+            <a:pPr marL="482600" indent="-342900">
+              <a:buFont typeface="+mj-lt"/>
+              <a:buAutoNum type="arabicPeriod"/>
+            </a:pPr>
+            <a:endParaRPr lang="zh-TW" altLang="en-US" dirty="0"/>
+          </a:p>
+        </p:txBody>
+      </p:sp>
     </p:spTree>
     <p:extLst>
       <p:ext uri="{BB962C8B-B14F-4D97-AF65-F5344CB8AC3E}">
@@ -16631,6 +17243,312 @@
           </a:prstGeom>
         </p:spPr>
       </p:pic>
+      <p:sp>
+        <p:nvSpPr>
+          <p:cNvPr id="5" name="文字版面配置區 2">
+            <a:extLst>
+              <a:ext uri="{FF2B5EF4-FFF2-40B4-BE49-F238E27FC236}">
+                <a16:creationId xmlns:a16="http://schemas.microsoft.com/office/drawing/2014/main" id="{24E25013-0083-34F7-C26C-A4627C063183}"/>
+              </a:ext>
+            </a:extLst>
+          </p:cNvPr>
+          <p:cNvSpPr txBox="1">
+            <a:spLocks/>
+          </p:cNvSpPr>
+          <p:nvPr/>
+        </p:nvSpPr>
+        <p:spPr>
+          <a:xfrm>
+            <a:off x="6119520" y="1438551"/>
+            <a:ext cx="1536355" cy="397914"/>
+          </a:xfrm>
+          <a:prstGeom prst="rect">
+            <a:avLst/>
+          </a:prstGeom>
+          <a:noFill/>
+          <a:ln>
+            <a:noFill/>
+          </a:ln>
+        </p:spPr>
+        <p:txBody>
+          <a:bodyPr spcFirstLastPara="1" wrap="square" lIns="91425" tIns="91425" rIns="91425" bIns="91425" anchor="t" anchorCtr="0">
+            <a:noAutofit/>
+          </a:bodyPr>
+          <a:lstStyle>
+            <a:defPPr marR="0" lvl="0" algn="l" rtl="0">
+              <a:lnSpc>
+                <a:spcPct val="100000"/>
+              </a:lnSpc>
+              <a:spcBef>
+                <a:spcPts val="0"/>
+              </a:spcBef>
+              <a:spcAft>
+                <a:spcPts val="0"/>
+              </a:spcAft>
+            </a:defPPr>
+            <a:lvl1pPr marL="457200" marR="0" lvl="0" indent="-317500" algn="l" rtl="0">
+              <a:lnSpc>
+                <a:spcPct val="100000"/>
+              </a:lnSpc>
+              <a:spcBef>
+                <a:spcPts val="0"/>
+              </a:spcBef>
+              <a:spcAft>
+                <a:spcPts val="0"/>
+              </a:spcAft>
+              <a:buClr>
+                <a:schemeClr val="accent1"/>
+              </a:buClr>
+              <a:buSzPts val="1400"/>
+              <a:buFont typeface="Courier Prime"/>
+              <a:buChar char="●"/>
+              <a:defRPr sz="1400" b="0" i="0" u="none" strike="noStrike" cap="none">
+                <a:solidFill>
+                  <a:schemeClr val="accent3"/>
+                </a:solidFill>
+                <a:latin typeface="Courier Prime"/>
+                <a:ea typeface="Courier Prime"/>
+                <a:cs typeface="Courier Prime"/>
+                <a:sym typeface="Courier Prime"/>
+              </a:defRPr>
+            </a:lvl1pPr>
+            <a:lvl2pPr marL="914400" marR="0" lvl="1" indent="-317500" algn="l" rtl="0">
+              <a:lnSpc>
+                <a:spcPct val="100000"/>
+              </a:lnSpc>
+              <a:spcBef>
+                <a:spcPts val="1000"/>
+              </a:spcBef>
+              <a:spcAft>
+                <a:spcPts val="0"/>
+              </a:spcAft>
+              <a:buClr>
+                <a:schemeClr val="accent3"/>
+              </a:buClr>
+              <a:buSzPts val="1400"/>
+              <a:buFont typeface="Courier Prime"/>
+              <a:buChar char="○"/>
+              <a:defRPr sz="1400" b="0" i="0" u="none" strike="noStrike" cap="none">
+                <a:solidFill>
+                  <a:schemeClr val="accent3"/>
+                </a:solidFill>
+                <a:latin typeface="Courier Prime"/>
+                <a:ea typeface="Courier Prime"/>
+                <a:cs typeface="Courier Prime"/>
+                <a:sym typeface="Courier Prime"/>
+              </a:defRPr>
+            </a:lvl2pPr>
+            <a:lvl3pPr marL="1371600" marR="0" lvl="2" indent="-317500" algn="l" rtl="0">
+              <a:lnSpc>
+                <a:spcPct val="100000"/>
+              </a:lnSpc>
+              <a:spcBef>
+                <a:spcPts val="0"/>
+              </a:spcBef>
+              <a:spcAft>
+                <a:spcPts val="0"/>
+              </a:spcAft>
+              <a:buClr>
+                <a:schemeClr val="accent3"/>
+              </a:buClr>
+              <a:buSzPts val="1400"/>
+              <a:buFont typeface="Courier Prime"/>
+              <a:buChar char="■"/>
+              <a:defRPr sz="1400" b="0" i="0" u="none" strike="noStrike" cap="none">
+                <a:solidFill>
+                  <a:schemeClr val="accent3"/>
+                </a:solidFill>
+                <a:latin typeface="Courier Prime"/>
+                <a:ea typeface="Courier Prime"/>
+                <a:cs typeface="Courier Prime"/>
+                <a:sym typeface="Courier Prime"/>
+              </a:defRPr>
+            </a:lvl3pPr>
+            <a:lvl4pPr marL="1828800" marR="0" lvl="3" indent="-317500" algn="l" rtl="0">
+              <a:lnSpc>
+                <a:spcPct val="100000"/>
+              </a:lnSpc>
+              <a:spcBef>
+                <a:spcPts val="0"/>
+              </a:spcBef>
+              <a:spcAft>
+                <a:spcPts val="0"/>
+              </a:spcAft>
+              <a:buClr>
+                <a:schemeClr val="accent3"/>
+              </a:buClr>
+              <a:buSzPts val="1400"/>
+              <a:buFont typeface="Courier Prime"/>
+              <a:buChar char="●"/>
+              <a:defRPr sz="1400" b="0" i="0" u="none" strike="noStrike" cap="none">
+                <a:solidFill>
+                  <a:schemeClr val="accent3"/>
+                </a:solidFill>
+                <a:latin typeface="Courier Prime"/>
+                <a:ea typeface="Courier Prime"/>
+                <a:cs typeface="Courier Prime"/>
+                <a:sym typeface="Courier Prime"/>
+              </a:defRPr>
+            </a:lvl4pPr>
+            <a:lvl5pPr marL="2286000" marR="0" lvl="4" indent="-317500" algn="l" rtl="0">
+              <a:lnSpc>
+                <a:spcPct val="100000"/>
+              </a:lnSpc>
+              <a:spcBef>
+                <a:spcPts val="0"/>
+              </a:spcBef>
+              <a:spcAft>
+                <a:spcPts val="0"/>
+              </a:spcAft>
+              <a:buClr>
+                <a:schemeClr val="accent3"/>
+              </a:buClr>
+              <a:buSzPts val="1400"/>
+              <a:buFont typeface="Courier Prime"/>
+              <a:buChar char="○"/>
+              <a:defRPr sz="1400" b="0" i="0" u="none" strike="noStrike" cap="none">
+                <a:solidFill>
+                  <a:schemeClr val="accent3"/>
+                </a:solidFill>
+                <a:latin typeface="Courier Prime"/>
+                <a:ea typeface="Courier Prime"/>
+                <a:cs typeface="Courier Prime"/>
+                <a:sym typeface="Courier Prime"/>
+              </a:defRPr>
+            </a:lvl5pPr>
+            <a:lvl6pPr marL="2743200" marR="0" lvl="5" indent="-317500" algn="l" rtl="0">
+              <a:lnSpc>
+                <a:spcPct val="100000"/>
+              </a:lnSpc>
+              <a:spcBef>
+                <a:spcPts val="0"/>
+              </a:spcBef>
+              <a:spcAft>
+                <a:spcPts val="0"/>
+              </a:spcAft>
+              <a:buClr>
+                <a:schemeClr val="accent3"/>
+              </a:buClr>
+              <a:buSzPts val="1400"/>
+              <a:buFont typeface="Courier Prime"/>
+              <a:buChar char="■"/>
+              <a:defRPr sz="1400" b="0" i="0" u="none" strike="noStrike" cap="none">
+                <a:solidFill>
+                  <a:schemeClr val="accent3"/>
+                </a:solidFill>
+                <a:latin typeface="Courier Prime"/>
+                <a:ea typeface="Courier Prime"/>
+                <a:cs typeface="Courier Prime"/>
+                <a:sym typeface="Courier Prime"/>
+              </a:defRPr>
+            </a:lvl6pPr>
+            <a:lvl7pPr marL="3200400" marR="0" lvl="6" indent="-317500" algn="l" rtl="0">
+              <a:lnSpc>
+                <a:spcPct val="100000"/>
+              </a:lnSpc>
+              <a:spcBef>
+                <a:spcPts val="0"/>
+              </a:spcBef>
+              <a:spcAft>
+                <a:spcPts val="0"/>
+              </a:spcAft>
+              <a:buClr>
+                <a:schemeClr val="accent3"/>
+              </a:buClr>
+              <a:buSzPts val="1400"/>
+              <a:buFont typeface="Courier Prime"/>
+              <a:buChar char="●"/>
+              <a:defRPr sz="1400" b="0" i="0" u="none" strike="noStrike" cap="none">
+                <a:solidFill>
+                  <a:schemeClr val="accent3"/>
+                </a:solidFill>
+                <a:latin typeface="Courier Prime"/>
+                <a:ea typeface="Courier Prime"/>
+                <a:cs typeface="Courier Prime"/>
+                <a:sym typeface="Courier Prime"/>
+              </a:defRPr>
+            </a:lvl7pPr>
+            <a:lvl8pPr marL="3657600" marR="0" lvl="7" indent="-317500" algn="l" rtl="0">
+              <a:lnSpc>
+                <a:spcPct val="100000"/>
+              </a:lnSpc>
+              <a:spcBef>
+                <a:spcPts val="0"/>
+              </a:spcBef>
+              <a:spcAft>
+                <a:spcPts val="0"/>
+              </a:spcAft>
+              <a:buClr>
+                <a:schemeClr val="accent3"/>
+              </a:buClr>
+              <a:buSzPts val="1400"/>
+              <a:buFont typeface="Courier Prime"/>
+              <a:buChar char="○"/>
+              <a:defRPr sz="1400" b="0" i="0" u="none" strike="noStrike" cap="none">
+                <a:solidFill>
+                  <a:schemeClr val="accent3"/>
+                </a:solidFill>
+                <a:latin typeface="Courier Prime"/>
+                <a:ea typeface="Courier Prime"/>
+                <a:cs typeface="Courier Prime"/>
+                <a:sym typeface="Courier Prime"/>
+              </a:defRPr>
+            </a:lvl8pPr>
+            <a:lvl9pPr marL="4114800" marR="0" lvl="8" indent="-317500" algn="l" rtl="0">
+              <a:lnSpc>
+                <a:spcPct val="100000"/>
+              </a:lnSpc>
+              <a:spcBef>
+                <a:spcPts val="0"/>
+              </a:spcBef>
+              <a:spcAft>
+                <a:spcPts val="0"/>
+              </a:spcAft>
+              <a:buClr>
+                <a:schemeClr val="accent3"/>
+              </a:buClr>
+              <a:buSzPts val="1400"/>
+              <a:buFont typeface="Courier Prime"/>
+              <a:buChar char="■"/>
+              <a:defRPr sz="1400" b="0" i="0" u="none" strike="noStrike" cap="none">
+                <a:solidFill>
+                  <a:schemeClr val="accent3"/>
+                </a:solidFill>
+                <a:latin typeface="Courier Prime"/>
+                <a:ea typeface="Courier Prime"/>
+                <a:cs typeface="Courier Prime"/>
+                <a:sym typeface="Courier Prime"/>
+              </a:defRPr>
+            </a:lvl9pPr>
+          </a:lstStyle>
+          <a:p>
+            <a:pPr marL="139700" indent="0">
+              <a:buFont typeface="Courier Prime"/>
+              <a:buNone/>
+            </a:pPr>
+            <a:r>
+              <a:rPr lang="zh-TW" altLang="en-US" dirty="0"/>
+              <a:t>都要有</a:t>
+            </a:r>
+            <a:r>
+              <a:rPr lang="en-US" altLang="zh-TW" b="1" dirty="0"/>
+              <a:t>RWD</a:t>
+            </a:r>
+            <a:r>
+              <a:rPr lang="zh-TW" altLang="en-US" dirty="0"/>
+              <a:t>哦！</a:t>
+            </a:r>
+            <a:endParaRPr lang="en-US" altLang="zh-TW" dirty="0"/>
+          </a:p>
+          <a:p>
+            <a:pPr marL="482600" indent="-342900">
+              <a:buFont typeface="+mj-lt"/>
+              <a:buAutoNum type="arabicPeriod"/>
+            </a:pPr>
+            <a:endParaRPr lang="zh-TW" altLang="en-US" dirty="0"/>
+          </a:p>
+        </p:txBody>
+      </p:sp>
     </p:spTree>
     <p:extLst>
       <p:ext uri="{BB962C8B-B14F-4D97-AF65-F5344CB8AC3E}">
